--- a/Gábor Dávid/Önmagam bemutatása.pptx
+++ b/Gábor Dávid/Önmagam bemutatása.pptx
@@ -274,7 +274,7 @@
           <a:p>
             <a:fld id="{C43A76A3-ADC8-4477-8FC1-B9DD55D84908}" type="datetime1">
               <a:rPr lang="en-US" smtClean="0"/>
-              <a:t>9/15/2021</a:t>
+              <a:t>9/16/2021</a:t>
             </a:fld>
             <a:endParaRPr lang="en-US" dirty="0"/>
           </a:p>
@@ -472,7 +472,7 @@
           <a:p>
             <a:fld id="{D6762538-DC4D-4667-96E5-B3278DDF8B12}" type="datetime1">
               <a:rPr lang="en-US" smtClean="0"/>
-              <a:t>9/15/2021</a:t>
+              <a:t>9/16/2021</a:t>
             </a:fld>
             <a:endParaRPr lang="en-US"/>
           </a:p>
@@ -680,7 +680,7 @@
           <a:p>
             <a:fld id="{05880548-5C08-4BE3-B63E-F2BB63B0B00C}" type="datetime1">
               <a:rPr lang="en-US" smtClean="0"/>
-              <a:t>9/15/2021</a:t>
+              <a:t>9/16/2021</a:t>
             </a:fld>
             <a:endParaRPr lang="en-US"/>
           </a:p>
@@ -878,7 +878,7 @@
           <a:p>
             <a:fld id="{DE7F49BE-398D-479A-8A7E-5DDBCA61EDCB}" type="datetime1">
               <a:rPr lang="en-US" smtClean="0"/>
-              <a:t>9/15/2021</a:t>
+              <a:t>9/16/2021</a:t>
             </a:fld>
             <a:endParaRPr lang="en-US"/>
           </a:p>
@@ -1154,7 +1154,7 @@
           <a:p>
             <a:fld id="{CCD0C193-4974-4A1F-9C63-07D595E30D66}" type="datetime1">
               <a:rPr lang="en-US" smtClean="0"/>
-              <a:t>9/15/2021</a:t>
+              <a:t>9/16/2021</a:t>
             </a:fld>
             <a:endParaRPr lang="en-US"/>
           </a:p>
@@ -1421,7 +1421,7 @@
           <a:p>
             <a:fld id="{701AA87F-28D4-4BF0-B81F-877A89DFD5AC}" type="datetime1">
               <a:rPr lang="en-US" smtClean="0"/>
-              <a:t>9/15/2021</a:t>
+              <a:t>9/16/2021</a:t>
             </a:fld>
             <a:endParaRPr lang="en-US"/>
           </a:p>
@@ -1835,7 +1835,7 @@
           <a:p>
             <a:fld id="{A8A9F1F3-208B-49A3-B337-9C8ACEB3E0E1}" type="datetime1">
               <a:rPr lang="en-US" smtClean="0"/>
-              <a:t>9/15/2021</a:t>
+              <a:t>9/16/2021</a:t>
             </a:fld>
             <a:endParaRPr lang="en-US"/>
           </a:p>
@@ -1982,7 +1982,7 @@
           <a:p>
             <a:fld id="{27AF6CA6-7293-4AA2-A0E0-A3BF4416E786}" type="datetime1">
               <a:rPr lang="en-US" smtClean="0"/>
-              <a:t>9/15/2021</a:t>
+              <a:t>9/16/2021</a:t>
             </a:fld>
             <a:endParaRPr lang="en-US"/>
           </a:p>
@@ -2095,7 +2095,7 @@
           <a:p>
             <a:fld id="{98D87016-7BCD-46FB-8EE3-AB6C369108B4}" type="datetime1">
               <a:rPr lang="en-US" smtClean="0"/>
-              <a:t>9/15/2021</a:t>
+              <a:t>9/16/2021</a:t>
             </a:fld>
             <a:endParaRPr lang="en-US"/>
           </a:p>
@@ -2414,7 +2414,7 @@
           <a:p>
             <a:fld id="{A1547011-1FFC-4EF8-9A2E-53B4AD2ADBD4}" type="datetime1">
               <a:rPr lang="en-US" smtClean="0"/>
-              <a:t>9/15/2021</a:t>
+              <a:t>9/16/2021</a:t>
             </a:fld>
             <a:endParaRPr lang="en-US"/>
           </a:p>
@@ -2709,7 +2709,7 @@
           <a:p>
             <a:fld id="{9562EB47-45B4-4EF5-A743-B4885DD2F060}" type="datetime1">
               <a:rPr lang="en-US" smtClean="0"/>
-              <a:t>9/15/2021</a:t>
+              <a:t>9/16/2021</a:t>
             </a:fld>
             <a:endParaRPr lang="en-US"/>
           </a:p>
@@ -4094,7 +4094,7 @@
           <a:p>
             <a:fld id="{4A8D24A4-5FEC-4062-8995-EB21925B3B40}" type="datetime1">
               <a:rPr lang="en-US" smtClean="0"/>
-              <a:t>9/15/2021</a:t>
+              <a:t>9/16/2021</a:t>
             </a:fld>
             <a:endParaRPr lang="en-US" sz="1000" dirty="0"/>
           </a:p>
@@ -4665,7 +4665,7 @@
                 <a16:creationId xmlns:a16="http://schemas.microsoft.com/office/drawing/2014/main" id="{733E0473-C315-42D8-A82A-A2FE49DC67DA}"/>
               </a:ext>
               <a:ext uri="{C183D7F6-B498-43B3-948B-1728B52AA6E4}">
-                <adec:decorative xmlns:adec="http://schemas.microsoft.com/office/drawing/2017/decorative" val="1"/>
+                <adec:decorative xmlns:adec="http://schemas.microsoft.com/office/drawing/2017/decorative" xmlns="" val="1"/>
               </a:ext>
             </a:extLst>
           </p:cNvPr>
@@ -4725,7 +4725,7 @@
                 <a16:creationId xmlns:a16="http://schemas.microsoft.com/office/drawing/2014/main" id="{AD23A251-68F2-43E5-812B-4BBAE1AF535E}"/>
               </a:ext>
               <a:ext uri="{C183D7F6-B498-43B3-948B-1728B52AA6E4}">
-                <adec:decorative xmlns:adec="http://schemas.microsoft.com/office/drawing/2017/decorative" val="1"/>
+                <adec:decorative xmlns:adec="http://schemas.microsoft.com/office/drawing/2017/decorative" xmlns="" val="1"/>
               </a:ext>
             </a:extLst>
           </p:cNvPr>
@@ -4824,7 +4824,7 @@
                 <a16:creationId xmlns:a16="http://schemas.microsoft.com/office/drawing/2014/main" id="{0350AF23-2606-421F-AB7B-23D9B48F3E9B}"/>
               </a:ext>
               <a:ext uri="{C183D7F6-B498-43B3-948B-1728B52AA6E4}">
-                <adec:decorative xmlns:adec="http://schemas.microsoft.com/office/drawing/2017/decorative" val="1"/>
+                <adec:decorative xmlns:adec="http://schemas.microsoft.com/office/drawing/2017/decorative" xmlns="" val="1"/>
               </a:ext>
             </a:extLst>
           </p:cNvPr>
@@ -4855,7 +4855,7 @@
                   <a16:creationId xmlns:a16="http://schemas.microsoft.com/office/drawing/2014/main" id="{526A544A-3C76-4502-A741-F4DB0E2CD2FD}"/>
                 </a:ext>
                 <a:ext uri="{C183D7F6-B498-43B3-948B-1728B52AA6E4}">
-                  <adec:decorative xmlns:adec="http://schemas.microsoft.com/office/drawing/2017/decorative" val="1"/>
+                  <adec:decorative xmlns:adec="http://schemas.microsoft.com/office/drawing/2017/decorative" xmlns="" val="1"/>
                 </a:ext>
               </a:extLst>
             </p:cNvPr>
@@ -4918,7 +4918,7 @@
                   <a16:creationId xmlns:a16="http://schemas.microsoft.com/office/drawing/2014/main" id="{017B8593-D171-47B5-8D1A-E34E7B138476}"/>
                 </a:ext>
                 <a:ext uri="{C183D7F6-B498-43B3-948B-1728B52AA6E4}">
-                  <adec:decorative xmlns:adec="http://schemas.microsoft.com/office/drawing/2017/decorative" val="1"/>
+                  <adec:decorative xmlns:adec="http://schemas.microsoft.com/office/drawing/2017/decorative" xmlns="" val="1"/>
                 </a:ext>
               </a:extLst>
             </p:cNvPr>
@@ -4982,7 +4982,7 @@
                   <a16:creationId xmlns:a16="http://schemas.microsoft.com/office/drawing/2014/main" id="{1FEF60D4-64F6-450F-B86D-383EEA1C843F}"/>
                 </a:ext>
                 <a:ext uri="{C183D7F6-B498-43B3-948B-1728B52AA6E4}">
-                  <adec:decorative xmlns:adec="http://schemas.microsoft.com/office/drawing/2017/decorative" val="1"/>
+                  <adec:decorative xmlns:adec="http://schemas.microsoft.com/office/drawing/2017/decorative" xmlns="" val="1"/>
                 </a:ext>
               </a:extLst>
             </p:cNvPr>
@@ -5047,7 +5047,7 @@
                   <a16:creationId xmlns:a16="http://schemas.microsoft.com/office/drawing/2014/main" id="{A97D4A7C-B520-46CB-9A94-711F53997BDB}"/>
                 </a:ext>
                 <a:ext uri="{C183D7F6-B498-43B3-948B-1728B52AA6E4}">
-                  <adec:decorative xmlns:adec="http://schemas.microsoft.com/office/drawing/2017/decorative" val="1"/>
+                  <adec:decorative xmlns:adec="http://schemas.microsoft.com/office/drawing/2017/decorative" xmlns="" val="1"/>
                 </a:ext>
               </a:extLst>
             </p:cNvPr>
@@ -5108,7 +5108,7 @@
                   <a16:creationId xmlns:a16="http://schemas.microsoft.com/office/drawing/2014/main" id="{2B7B976F-E84B-4936-90D7-C8298A5E7BD0}"/>
                 </a:ext>
                 <a:ext uri="{C183D7F6-B498-43B3-948B-1728B52AA6E4}">
-                  <adec:decorative xmlns:adec="http://schemas.microsoft.com/office/drawing/2017/decorative" val="1"/>
+                  <adec:decorative xmlns:adec="http://schemas.microsoft.com/office/drawing/2017/decorative" xmlns="" val="1"/>
                 </a:ext>
               </a:extLst>
             </p:cNvPr>
@@ -5169,7 +5169,7 @@
                   <a16:creationId xmlns:a16="http://schemas.microsoft.com/office/drawing/2014/main" id="{DC91FFEC-59DF-4D22-A925-F5152076924B}"/>
                 </a:ext>
                 <a:ext uri="{C183D7F6-B498-43B3-948B-1728B52AA6E4}">
-                  <adec:decorative xmlns:adec="http://schemas.microsoft.com/office/drawing/2017/decorative" val="1"/>
+                  <adec:decorative xmlns:adec="http://schemas.microsoft.com/office/drawing/2017/decorative" xmlns="" val="1"/>
                 </a:ext>
               </a:extLst>
             </p:cNvPr>
@@ -5230,7 +5230,7 @@
                   <a16:creationId xmlns:a16="http://schemas.microsoft.com/office/drawing/2014/main" id="{58931E95-0847-47E4-8AEC-312312A03232}"/>
                 </a:ext>
                 <a:ext uri="{C183D7F6-B498-43B3-948B-1728B52AA6E4}">
-                  <adec:decorative xmlns:adec="http://schemas.microsoft.com/office/drawing/2017/decorative" val="1"/>
+                  <adec:decorative xmlns:adec="http://schemas.microsoft.com/office/drawing/2017/decorative" xmlns="" val="1"/>
                 </a:ext>
               </a:extLst>
             </p:cNvPr>
@@ -5294,7 +5294,7 @@
                   <a16:creationId xmlns:a16="http://schemas.microsoft.com/office/drawing/2014/main" id="{3C094915-EF93-49A0-9B90-C44FB9B5007A}"/>
                 </a:ext>
                 <a:ext uri="{C183D7F6-B498-43B3-948B-1728B52AA6E4}">
-                  <adec:decorative xmlns:adec="http://schemas.microsoft.com/office/drawing/2017/decorative" val="1"/>
+                  <adec:decorative xmlns:adec="http://schemas.microsoft.com/office/drawing/2017/decorative" xmlns="" val="1"/>
                 </a:ext>
               </a:extLst>
             </p:cNvPr>
@@ -5464,8 +5464,8 @@
         </p:nvSpPr>
         <p:spPr>
           <a:xfrm>
-            <a:off x="7844481" y="1789669"/>
-            <a:ext cx="2743199" cy="369332"/>
+            <a:off x="7405823" y="1786584"/>
+            <a:ext cx="2696251" cy="369332"/>
           </a:xfrm>
           <a:prstGeom prst="rect">
             <a:avLst/>
@@ -5482,12 +5482,20 @@
           <a:lstStyle/>
           <a:p>
             <a:r>
+              <a:rPr lang="hu-HU" dirty="0" smtClean="0">
+                <a:solidFill>
+                  <a:srgbClr val="FFFFFF"/>
+                </a:solidFill>
+              </a:rPr>
+              <a:t>Elkészítve: 2021</a:t>
+            </a:r>
+            <a:r>
               <a:rPr lang="hu-HU" dirty="0">
                 <a:solidFill>
                   <a:srgbClr val="FFFFFF"/>
                 </a:solidFill>
               </a:rPr>
-              <a:t>2021. 09. 15.</a:t>
+              <a:t>. 09. 15.</a:t>
             </a:r>
             <a:endParaRPr lang="hu-HU" dirty="0">
               <a:solidFill>
@@ -5508,6 +5516,219 @@
   <p:clrMapOvr>
     <a:masterClrMapping/>
   </p:clrMapOvr>
+  <mc:AlternateContent xmlns:mc="http://schemas.openxmlformats.org/markup-compatibility/2006">
+    <mc:Choice xmlns:p14="http://schemas.microsoft.com/office/powerpoint/2010/main" Requires="p14">
+      <p:transition spd="med" p14:dur="700">
+        <p:fade/>
+      </p:transition>
+    </mc:Choice>
+    <mc:Fallback>
+      <p:transition spd="med">
+        <p:fade/>
+      </p:transition>
+    </mc:Fallback>
+  </mc:AlternateContent>
+  <p:timing>
+    <p:tnLst>
+      <p:par>
+        <p:cTn id="1" dur="indefinite" restart="never" nodeType="tmRoot">
+          <p:childTnLst>
+            <p:seq concurrent="1" nextAc="seek">
+              <p:cTn id="2" dur="indefinite" nodeType="mainSeq">
+                <p:childTnLst>
+                  <p:par>
+                    <p:cTn id="3" fill="hold">
+                      <p:stCondLst>
+                        <p:cond delay="indefinite"/>
+                      </p:stCondLst>
+                      <p:childTnLst>
+                        <p:par>
+                          <p:cTn id="4" fill="hold">
+                            <p:stCondLst>
+                              <p:cond delay="0"/>
+                            </p:stCondLst>
+                            <p:childTnLst>
+                              <p:par>
+                                <p:cTn id="5" presetID="10" presetClass="entr" presetSubtype="0" fill="hold" nodeType="clickEffect">
+                                  <p:stCondLst>
+                                    <p:cond delay="0"/>
+                                  </p:stCondLst>
+                                  <p:childTnLst>
+                                    <p:set>
+                                      <p:cBhvr>
+                                        <p:cTn id="6" dur="1" fill="hold">
+                                          <p:stCondLst>
+                                            <p:cond delay="0"/>
+                                          </p:stCondLst>
+                                        </p:cTn>
+                                        <p:tgtEl>
+                                          <p:spTgt spid="29"/>
+                                        </p:tgtEl>
+                                        <p:attrNameLst>
+                                          <p:attrName>style.visibility</p:attrName>
+                                        </p:attrNameLst>
+                                      </p:cBhvr>
+                                      <p:to>
+                                        <p:strVal val="visible"/>
+                                      </p:to>
+                                    </p:set>
+                                    <p:animEffect transition="in" filter="fade">
+                                      <p:cBhvr>
+                                        <p:cTn id="7" dur="500"/>
+                                        <p:tgtEl>
+                                          <p:spTgt spid="29"/>
+                                        </p:tgtEl>
+                                      </p:cBhvr>
+                                    </p:animEffect>
+                                  </p:childTnLst>
+                                </p:cTn>
+                              </p:par>
+                              <p:par>
+                                <p:cTn id="8" presetID="10" presetClass="entr" presetSubtype="0" fill="hold" grpId="0" nodeType="withEffect">
+                                  <p:stCondLst>
+                                    <p:cond delay="300"/>
+                                  </p:stCondLst>
+                                  <p:childTnLst>
+                                    <p:set>
+                                      <p:cBhvr>
+                                        <p:cTn id="9" dur="1" fill="hold">
+                                          <p:stCondLst>
+                                            <p:cond delay="0"/>
+                                          </p:stCondLst>
+                                        </p:cTn>
+                                        <p:tgtEl>
+                                          <p:spTgt spid="2"/>
+                                        </p:tgtEl>
+                                        <p:attrNameLst>
+                                          <p:attrName>style.visibility</p:attrName>
+                                        </p:attrNameLst>
+                                      </p:cBhvr>
+                                      <p:to>
+                                        <p:strVal val="visible"/>
+                                      </p:to>
+                                    </p:set>
+                                    <p:animEffect transition="in" filter="fade">
+                                      <p:cBhvr>
+                                        <p:cTn id="10" dur="500"/>
+                                        <p:tgtEl>
+                                          <p:spTgt spid="2"/>
+                                        </p:tgtEl>
+                                      </p:cBhvr>
+                                    </p:animEffect>
+                                  </p:childTnLst>
+                                </p:cTn>
+                              </p:par>
+                              <p:par>
+                                <p:cTn id="11" presetID="10" presetClass="entr" presetSubtype="0" fill="hold" grpId="0" nodeType="withEffect">
+                                  <p:stCondLst>
+                                    <p:cond delay="3000"/>
+                                  </p:stCondLst>
+                                  <p:childTnLst>
+                                    <p:set>
+                                      <p:cBhvr>
+                                        <p:cTn id="12" dur="1" fill="hold">
+                                          <p:stCondLst>
+                                            <p:cond delay="0"/>
+                                          </p:stCondLst>
+                                        </p:cTn>
+                                        <p:tgtEl>
+                                          <p:spTgt spid="33"/>
+                                        </p:tgtEl>
+                                        <p:attrNameLst>
+                                          <p:attrName>style.visibility</p:attrName>
+                                        </p:attrNameLst>
+                                      </p:cBhvr>
+                                      <p:to>
+                                        <p:strVal val="visible"/>
+                                      </p:to>
+                                    </p:set>
+                                    <p:animEffect transition="in" filter="fade">
+                                      <p:cBhvr>
+                                        <p:cTn id="13" dur="500"/>
+                                        <p:tgtEl>
+                                          <p:spTgt spid="33"/>
+                                        </p:tgtEl>
+                                      </p:cBhvr>
+                                    </p:animEffect>
+                                  </p:childTnLst>
+                                </p:cTn>
+                              </p:par>
+                              <p:par>
+                                <p:cTn id="14" presetID="10" presetClass="entr" presetSubtype="0" fill="hold" grpId="0" nodeType="withEffect">
+                                  <p:stCondLst>
+                                    <p:cond delay="3500"/>
+                                  </p:stCondLst>
+                                  <p:childTnLst>
+                                    <p:set>
+                                      <p:cBhvr>
+                                        <p:cTn id="15" dur="1" fill="hold">
+                                          <p:stCondLst>
+                                            <p:cond delay="0"/>
+                                          </p:stCondLst>
+                                        </p:cTn>
+                                        <p:tgtEl>
+                                          <p:spTgt spid="3">
+                                            <p:txEl>
+                                              <p:pRg st="0" end="0"/>
+                                            </p:txEl>
+                                          </p:spTgt>
+                                        </p:tgtEl>
+                                        <p:attrNameLst>
+                                          <p:attrName>style.visibility</p:attrName>
+                                        </p:attrNameLst>
+                                      </p:cBhvr>
+                                      <p:to>
+                                        <p:strVal val="visible"/>
+                                      </p:to>
+                                    </p:set>
+                                    <p:animEffect transition="in" filter="fade">
+                                      <p:cBhvr>
+                                        <p:cTn id="16" dur="500"/>
+                                        <p:tgtEl>
+                                          <p:spTgt spid="3">
+                                            <p:txEl>
+                                              <p:pRg st="0" end="0"/>
+                                            </p:txEl>
+                                          </p:spTgt>
+                                        </p:tgtEl>
+                                      </p:cBhvr>
+                                    </p:animEffect>
+                                  </p:childTnLst>
+                                </p:cTn>
+                              </p:par>
+                            </p:childTnLst>
+                          </p:cTn>
+                        </p:par>
+                      </p:childTnLst>
+                    </p:cTn>
+                  </p:par>
+                </p:childTnLst>
+              </p:cTn>
+              <p:prevCondLst>
+                <p:cond evt="onPrev" delay="0">
+                  <p:tgtEl>
+                    <p:sldTgt/>
+                  </p:tgtEl>
+                </p:cond>
+              </p:prevCondLst>
+              <p:nextCondLst>
+                <p:cond evt="onNext" delay="0">
+                  <p:tgtEl>
+                    <p:sldTgt/>
+                  </p:tgtEl>
+                </p:cond>
+              </p:nextCondLst>
+            </p:seq>
+          </p:childTnLst>
+        </p:cTn>
+      </p:par>
+    </p:tnLst>
+    <p:bldLst>
+      <p:bldP spid="2" grpId="0"/>
+      <p:bldP spid="3" grpId="0" build="p"/>
+      <p:bldP spid="33" grpId="0"/>
+    </p:bldLst>
+  </p:timing>
 </p:sld>
 </file>
 
@@ -5544,7 +5765,7 @@
                 <a16:creationId xmlns:a16="http://schemas.microsoft.com/office/drawing/2014/main" id="{733E0473-C315-42D8-A82A-A2FE49DC67DA}"/>
               </a:ext>
               <a:ext uri="{C183D7F6-B498-43B3-948B-1728B52AA6E4}">
-                <adec:decorative xmlns:adec="http://schemas.microsoft.com/office/drawing/2017/decorative" val="1"/>
+                <adec:decorative xmlns:adec="http://schemas.microsoft.com/office/drawing/2017/decorative" xmlns="" val="1"/>
               </a:ext>
             </a:extLst>
           </p:cNvPr>
@@ -5604,7 +5825,7 @@
                 <a16:creationId xmlns:a16="http://schemas.microsoft.com/office/drawing/2014/main" id="{AD23A251-68F2-43E5-812B-4BBAE1AF535E}"/>
               </a:ext>
               <a:ext uri="{C183D7F6-B498-43B3-948B-1728B52AA6E4}">
-                <adec:decorative xmlns:adec="http://schemas.microsoft.com/office/drawing/2017/decorative" val="1"/>
+                <adec:decorative xmlns:adec="http://schemas.microsoft.com/office/drawing/2017/decorative" xmlns="" val="1"/>
               </a:ext>
             </a:extLst>
           </p:cNvPr>
@@ -5703,7 +5924,7 @@
                 <a16:creationId xmlns:a16="http://schemas.microsoft.com/office/drawing/2014/main" id="{0350AF23-2606-421F-AB7B-23D9B48F3E9B}"/>
               </a:ext>
               <a:ext uri="{C183D7F6-B498-43B3-948B-1728B52AA6E4}">
-                <adec:decorative xmlns:adec="http://schemas.microsoft.com/office/drawing/2017/decorative" val="1"/>
+                <adec:decorative xmlns:adec="http://schemas.microsoft.com/office/drawing/2017/decorative" xmlns="" val="1"/>
               </a:ext>
             </a:extLst>
           </p:cNvPr>
@@ -5734,7 +5955,7 @@
                   <a16:creationId xmlns:a16="http://schemas.microsoft.com/office/drawing/2014/main" id="{526A544A-3C76-4502-A741-F4DB0E2CD2FD}"/>
                 </a:ext>
                 <a:ext uri="{C183D7F6-B498-43B3-948B-1728B52AA6E4}">
-                  <adec:decorative xmlns:adec="http://schemas.microsoft.com/office/drawing/2017/decorative" val="1"/>
+                  <adec:decorative xmlns:adec="http://schemas.microsoft.com/office/drawing/2017/decorative" xmlns="" val="1"/>
                 </a:ext>
               </a:extLst>
             </p:cNvPr>
@@ -5797,7 +6018,7 @@
                   <a16:creationId xmlns:a16="http://schemas.microsoft.com/office/drawing/2014/main" id="{017B8593-D171-47B5-8D1A-E34E7B138476}"/>
                 </a:ext>
                 <a:ext uri="{C183D7F6-B498-43B3-948B-1728B52AA6E4}">
-                  <adec:decorative xmlns:adec="http://schemas.microsoft.com/office/drawing/2017/decorative" val="1"/>
+                  <adec:decorative xmlns:adec="http://schemas.microsoft.com/office/drawing/2017/decorative" xmlns="" val="1"/>
                 </a:ext>
               </a:extLst>
             </p:cNvPr>
@@ -5861,7 +6082,7 @@
                   <a16:creationId xmlns:a16="http://schemas.microsoft.com/office/drawing/2014/main" id="{1FEF60D4-64F6-450F-B86D-383EEA1C843F}"/>
                 </a:ext>
                 <a:ext uri="{C183D7F6-B498-43B3-948B-1728B52AA6E4}">
-                  <adec:decorative xmlns:adec="http://schemas.microsoft.com/office/drawing/2017/decorative" val="1"/>
+                  <adec:decorative xmlns:adec="http://schemas.microsoft.com/office/drawing/2017/decorative" xmlns="" val="1"/>
                 </a:ext>
               </a:extLst>
             </p:cNvPr>
@@ -5926,7 +6147,7 @@
                   <a16:creationId xmlns:a16="http://schemas.microsoft.com/office/drawing/2014/main" id="{A97D4A7C-B520-46CB-9A94-711F53997BDB}"/>
                 </a:ext>
                 <a:ext uri="{C183D7F6-B498-43B3-948B-1728B52AA6E4}">
-                  <adec:decorative xmlns:adec="http://schemas.microsoft.com/office/drawing/2017/decorative" val="1"/>
+                  <adec:decorative xmlns:adec="http://schemas.microsoft.com/office/drawing/2017/decorative" xmlns="" val="1"/>
                 </a:ext>
               </a:extLst>
             </p:cNvPr>
@@ -5987,7 +6208,7 @@
                   <a16:creationId xmlns:a16="http://schemas.microsoft.com/office/drawing/2014/main" id="{2B7B976F-E84B-4936-90D7-C8298A5E7BD0}"/>
                 </a:ext>
                 <a:ext uri="{C183D7F6-B498-43B3-948B-1728B52AA6E4}">
-                  <adec:decorative xmlns:adec="http://schemas.microsoft.com/office/drawing/2017/decorative" val="1"/>
+                  <adec:decorative xmlns:adec="http://schemas.microsoft.com/office/drawing/2017/decorative" xmlns="" val="1"/>
                 </a:ext>
               </a:extLst>
             </p:cNvPr>
@@ -6048,7 +6269,7 @@
                   <a16:creationId xmlns:a16="http://schemas.microsoft.com/office/drawing/2014/main" id="{DC91FFEC-59DF-4D22-A925-F5152076924B}"/>
                 </a:ext>
                 <a:ext uri="{C183D7F6-B498-43B3-948B-1728B52AA6E4}">
-                  <adec:decorative xmlns:adec="http://schemas.microsoft.com/office/drawing/2017/decorative" val="1"/>
+                  <adec:decorative xmlns:adec="http://schemas.microsoft.com/office/drawing/2017/decorative" xmlns="" val="1"/>
                 </a:ext>
               </a:extLst>
             </p:cNvPr>
@@ -6109,7 +6330,7 @@
                   <a16:creationId xmlns:a16="http://schemas.microsoft.com/office/drawing/2014/main" id="{58931E95-0847-47E4-8AEC-312312A03232}"/>
                 </a:ext>
                 <a:ext uri="{C183D7F6-B498-43B3-948B-1728B52AA6E4}">
-                  <adec:decorative xmlns:adec="http://schemas.microsoft.com/office/drawing/2017/decorative" val="1"/>
+                  <adec:decorative xmlns:adec="http://schemas.microsoft.com/office/drawing/2017/decorative" xmlns="" val="1"/>
                 </a:ext>
               </a:extLst>
             </p:cNvPr>
@@ -6173,7 +6394,7 @@
                   <a16:creationId xmlns:a16="http://schemas.microsoft.com/office/drawing/2014/main" id="{3C094915-EF93-49A0-9B90-C44FB9B5007A}"/>
                 </a:ext>
                 <a:ext uri="{C183D7F6-B498-43B3-948B-1728B52AA6E4}">
-                  <adec:decorative xmlns:adec="http://schemas.microsoft.com/office/drawing/2017/decorative" val="1"/>
+                  <adec:decorative xmlns:adec="http://schemas.microsoft.com/office/drawing/2017/decorative" xmlns="" val="1"/>
                 </a:ext>
               </a:extLst>
             </p:cNvPr>
@@ -6300,6 +6521,12 @@
               </a:rPr>
               <a:t> Gábor Dávid</a:t>
             </a:r>
+            <a:r>
+              <a:rPr lang="hu-HU" dirty="0">
+                <a:cs typeface="Calibri"/>
+              </a:rPr>
+              <a:t/>
+            </a:r>
             <a:br>
               <a:rPr lang="hu-HU" dirty="0">
                 <a:cs typeface="Calibri"/>
@@ -6322,6 +6549,12 @@
                 <a:cs typeface="Calibri"/>
               </a:rPr>
               <a:t> 2005. 08. 17.</a:t>
+            </a:r>
+            <a:r>
+              <a:rPr lang="hu-HU" dirty="0">
+                <a:cs typeface="Calibri"/>
+              </a:rPr>
+              <a:t/>
             </a:r>
             <a:br>
               <a:rPr lang="hu-HU" dirty="0">
@@ -6378,7 +6611,7 @@
         <p:spPr>
           <a:xfrm>
             <a:off x="4611130" y="152400"/>
-            <a:ext cx="2743200" cy="2599038"/>
+            <a:ext cx="2743200" cy="2565400"/>
           </a:xfrm>
           <a:prstGeom prst="rect">
             <a:avLst/>
@@ -6395,6 +6628,18 @@
   <p:clrMapOvr>
     <a:masterClrMapping/>
   </p:clrMapOvr>
+  <mc:AlternateContent xmlns:mc="http://schemas.openxmlformats.org/markup-compatibility/2006">
+    <mc:Choice xmlns:p14="http://schemas.microsoft.com/office/powerpoint/2010/main" Requires="p14">
+      <p:transition spd="med" p14:dur="700">
+        <p:fade/>
+      </p:transition>
+    </mc:Choice>
+    <mc:Fallback>
+      <p:transition spd="med">
+        <p:fade/>
+      </p:transition>
+    </mc:Fallback>
+  </mc:AlternateContent>
   <p:timing>
     <p:tnLst>
       <p:par>
@@ -6502,6 +6747,87 @@
                                   </p:childTnLst>
                                 </p:cTn>
                               </p:par>
+                              <p:par>
+                                <p:cTn id="11" presetID="53" presetClass="entr" presetSubtype="16" fill="hold" nodeType="withEffect">
+                                  <p:stCondLst>
+                                    <p:cond delay="1000"/>
+                                  </p:stCondLst>
+                                  <p:childTnLst>
+                                    <p:set>
+                                      <p:cBhvr>
+                                        <p:cTn id="12" dur="1" fill="hold">
+                                          <p:stCondLst>
+                                            <p:cond delay="0"/>
+                                          </p:stCondLst>
+                                        </p:cTn>
+                                        <p:tgtEl>
+                                          <p:spTgt spid="5"/>
+                                        </p:tgtEl>
+                                        <p:attrNameLst>
+                                          <p:attrName>style.visibility</p:attrName>
+                                        </p:attrNameLst>
+                                      </p:cBhvr>
+                                      <p:to>
+                                        <p:strVal val="visible"/>
+                                      </p:to>
+                                    </p:set>
+                                    <p:anim calcmode="lin" valueType="num">
+                                      <p:cBhvr>
+                                        <p:cTn id="13" dur="500" fill="hold"/>
+                                        <p:tgtEl>
+                                          <p:spTgt spid="5"/>
+                                        </p:tgtEl>
+                                        <p:attrNameLst>
+                                          <p:attrName>ppt_w</p:attrName>
+                                        </p:attrNameLst>
+                                      </p:cBhvr>
+                                      <p:tavLst>
+                                        <p:tav tm="0">
+                                          <p:val>
+                                            <p:fltVal val="0"/>
+                                          </p:val>
+                                        </p:tav>
+                                        <p:tav tm="100000">
+                                          <p:val>
+                                            <p:strVal val="#ppt_w"/>
+                                          </p:val>
+                                        </p:tav>
+                                      </p:tavLst>
+                                    </p:anim>
+                                    <p:anim calcmode="lin" valueType="num">
+                                      <p:cBhvr>
+                                        <p:cTn id="14" dur="500" fill="hold"/>
+                                        <p:tgtEl>
+                                          <p:spTgt spid="5"/>
+                                        </p:tgtEl>
+                                        <p:attrNameLst>
+                                          <p:attrName>ppt_h</p:attrName>
+                                        </p:attrNameLst>
+                                      </p:cBhvr>
+                                      <p:tavLst>
+                                        <p:tav tm="0">
+                                          <p:val>
+                                            <p:fltVal val="0"/>
+                                          </p:val>
+                                        </p:tav>
+                                        <p:tav tm="100000">
+                                          <p:val>
+                                            <p:strVal val="#ppt_h"/>
+                                          </p:val>
+                                        </p:tav>
+                                      </p:tavLst>
+                                    </p:anim>
+                                    <p:animEffect transition="in" filter="fade">
+                                      <p:cBhvr>
+                                        <p:cTn id="15" dur="500"/>
+                                        <p:tgtEl>
+                                          <p:spTgt spid="5"/>
+                                        </p:tgtEl>
+                                      </p:cBhvr>
+                                    </p:animEffect>
+                                  </p:childTnLst>
+                                </p:cTn>
+                              </p:par>
                             </p:childTnLst>
                           </p:cTn>
                         </p:par>
@@ -6600,7 +6926,7 @@
                 <a16:creationId xmlns:a16="http://schemas.microsoft.com/office/drawing/2014/main" id="{733E0473-C315-42D8-A82A-A2FE49DC67DA}"/>
               </a:ext>
               <a:ext uri="{C183D7F6-B498-43B3-948B-1728B52AA6E4}">
-                <adec:decorative xmlns:adec="http://schemas.microsoft.com/office/drawing/2017/decorative" val="1"/>
+                <adec:decorative xmlns:adec="http://schemas.microsoft.com/office/drawing/2017/decorative" xmlns="" val="1"/>
               </a:ext>
             </a:extLst>
           </p:cNvPr>
@@ -6660,7 +6986,7 @@
                 <a16:creationId xmlns:a16="http://schemas.microsoft.com/office/drawing/2014/main" id="{AD23A251-68F2-43E5-812B-4BBAE1AF535E}"/>
               </a:ext>
               <a:ext uri="{C183D7F6-B498-43B3-948B-1728B52AA6E4}">
-                <adec:decorative xmlns:adec="http://schemas.microsoft.com/office/drawing/2017/decorative" val="1"/>
+                <adec:decorative xmlns:adec="http://schemas.microsoft.com/office/drawing/2017/decorative" xmlns="" val="1"/>
               </a:ext>
             </a:extLst>
           </p:cNvPr>
@@ -6759,7 +7085,7 @@
                 <a16:creationId xmlns:a16="http://schemas.microsoft.com/office/drawing/2014/main" id="{0350AF23-2606-421F-AB7B-23D9B48F3E9B}"/>
               </a:ext>
               <a:ext uri="{C183D7F6-B498-43B3-948B-1728B52AA6E4}">
-                <adec:decorative xmlns:adec="http://schemas.microsoft.com/office/drawing/2017/decorative" val="1"/>
+                <adec:decorative xmlns:adec="http://schemas.microsoft.com/office/drawing/2017/decorative" xmlns="" val="1"/>
               </a:ext>
             </a:extLst>
           </p:cNvPr>
@@ -6790,7 +7116,7 @@
                   <a16:creationId xmlns:a16="http://schemas.microsoft.com/office/drawing/2014/main" id="{526A544A-3C76-4502-A741-F4DB0E2CD2FD}"/>
                 </a:ext>
                 <a:ext uri="{C183D7F6-B498-43B3-948B-1728B52AA6E4}">
-                  <adec:decorative xmlns:adec="http://schemas.microsoft.com/office/drawing/2017/decorative" val="1"/>
+                  <adec:decorative xmlns:adec="http://schemas.microsoft.com/office/drawing/2017/decorative" xmlns="" val="1"/>
                 </a:ext>
               </a:extLst>
             </p:cNvPr>
@@ -6853,7 +7179,7 @@
                   <a16:creationId xmlns:a16="http://schemas.microsoft.com/office/drawing/2014/main" id="{017B8593-D171-47B5-8D1A-E34E7B138476}"/>
                 </a:ext>
                 <a:ext uri="{C183D7F6-B498-43B3-948B-1728B52AA6E4}">
-                  <adec:decorative xmlns:adec="http://schemas.microsoft.com/office/drawing/2017/decorative" val="1"/>
+                  <adec:decorative xmlns:adec="http://schemas.microsoft.com/office/drawing/2017/decorative" xmlns="" val="1"/>
                 </a:ext>
               </a:extLst>
             </p:cNvPr>
@@ -6917,7 +7243,7 @@
                   <a16:creationId xmlns:a16="http://schemas.microsoft.com/office/drawing/2014/main" id="{1FEF60D4-64F6-450F-B86D-383EEA1C843F}"/>
                 </a:ext>
                 <a:ext uri="{C183D7F6-B498-43B3-948B-1728B52AA6E4}">
-                  <adec:decorative xmlns:adec="http://schemas.microsoft.com/office/drawing/2017/decorative" val="1"/>
+                  <adec:decorative xmlns:adec="http://schemas.microsoft.com/office/drawing/2017/decorative" xmlns="" val="1"/>
                 </a:ext>
               </a:extLst>
             </p:cNvPr>
@@ -6982,7 +7308,7 @@
                   <a16:creationId xmlns:a16="http://schemas.microsoft.com/office/drawing/2014/main" id="{A97D4A7C-B520-46CB-9A94-711F53997BDB}"/>
                 </a:ext>
                 <a:ext uri="{C183D7F6-B498-43B3-948B-1728B52AA6E4}">
-                  <adec:decorative xmlns:adec="http://schemas.microsoft.com/office/drawing/2017/decorative" val="1"/>
+                  <adec:decorative xmlns:adec="http://schemas.microsoft.com/office/drawing/2017/decorative" xmlns="" val="1"/>
                 </a:ext>
               </a:extLst>
             </p:cNvPr>
@@ -7043,7 +7369,7 @@
                   <a16:creationId xmlns:a16="http://schemas.microsoft.com/office/drawing/2014/main" id="{2B7B976F-E84B-4936-90D7-C8298A5E7BD0}"/>
                 </a:ext>
                 <a:ext uri="{C183D7F6-B498-43B3-948B-1728B52AA6E4}">
-                  <adec:decorative xmlns:adec="http://schemas.microsoft.com/office/drawing/2017/decorative" val="1"/>
+                  <adec:decorative xmlns:adec="http://schemas.microsoft.com/office/drawing/2017/decorative" xmlns="" val="1"/>
                 </a:ext>
               </a:extLst>
             </p:cNvPr>
@@ -7104,7 +7430,7 @@
                   <a16:creationId xmlns:a16="http://schemas.microsoft.com/office/drawing/2014/main" id="{DC91FFEC-59DF-4D22-A925-F5152076924B}"/>
                 </a:ext>
                 <a:ext uri="{C183D7F6-B498-43B3-948B-1728B52AA6E4}">
-                  <adec:decorative xmlns:adec="http://schemas.microsoft.com/office/drawing/2017/decorative" val="1"/>
+                  <adec:decorative xmlns:adec="http://schemas.microsoft.com/office/drawing/2017/decorative" xmlns="" val="1"/>
                 </a:ext>
               </a:extLst>
             </p:cNvPr>
@@ -7165,7 +7491,7 @@
                   <a16:creationId xmlns:a16="http://schemas.microsoft.com/office/drawing/2014/main" id="{58931E95-0847-47E4-8AEC-312312A03232}"/>
                 </a:ext>
                 <a:ext uri="{C183D7F6-B498-43B3-948B-1728B52AA6E4}">
-                  <adec:decorative xmlns:adec="http://schemas.microsoft.com/office/drawing/2017/decorative" val="1"/>
+                  <adec:decorative xmlns:adec="http://schemas.microsoft.com/office/drawing/2017/decorative" xmlns="" val="1"/>
                 </a:ext>
               </a:extLst>
             </p:cNvPr>
@@ -7229,7 +7555,7 @@
                   <a16:creationId xmlns:a16="http://schemas.microsoft.com/office/drawing/2014/main" id="{3C094915-EF93-49A0-9B90-C44FB9B5007A}"/>
                 </a:ext>
                 <a:ext uri="{C183D7F6-B498-43B3-948B-1728B52AA6E4}">
-                  <adec:decorative xmlns:adec="http://schemas.microsoft.com/office/drawing/2017/decorative" val="1"/>
+                  <adec:decorative xmlns:adec="http://schemas.microsoft.com/office/drawing/2017/decorative" xmlns="" val="1"/>
                 </a:ext>
               </a:extLst>
             </p:cNvPr>
@@ -7441,6 +7767,18 @@
   <p:clrMapOvr>
     <a:masterClrMapping/>
   </p:clrMapOvr>
+  <mc:AlternateContent xmlns:mc="http://schemas.openxmlformats.org/markup-compatibility/2006">
+    <mc:Choice xmlns:p14="http://schemas.microsoft.com/office/powerpoint/2010/main" Requires="p14">
+      <p:transition spd="med" p14:dur="700">
+        <p:fade/>
+      </p:transition>
+    </mc:Choice>
+    <mc:Fallback>
+      <p:transition spd="med">
+        <p:fade/>
+      </p:transition>
+    </mc:Fallback>
+  </mc:AlternateContent>
   <p:timing>
     <p:tnLst>
       <p:par>
@@ -7548,6 +7886,87 @@
                                   </p:childTnLst>
                                 </p:cTn>
                               </p:par>
+                              <p:par>
+                                <p:cTn id="11" presetID="53" presetClass="entr" presetSubtype="16" fill="hold" nodeType="withEffect">
+                                  <p:stCondLst>
+                                    <p:cond delay="1000"/>
+                                  </p:stCondLst>
+                                  <p:childTnLst>
+                                    <p:set>
+                                      <p:cBhvr>
+                                        <p:cTn id="12" dur="1" fill="hold">
+                                          <p:stCondLst>
+                                            <p:cond delay="0"/>
+                                          </p:stCondLst>
+                                        </p:cTn>
+                                        <p:tgtEl>
+                                          <p:spTgt spid="6"/>
+                                        </p:tgtEl>
+                                        <p:attrNameLst>
+                                          <p:attrName>style.visibility</p:attrName>
+                                        </p:attrNameLst>
+                                      </p:cBhvr>
+                                      <p:to>
+                                        <p:strVal val="visible"/>
+                                      </p:to>
+                                    </p:set>
+                                    <p:anim calcmode="lin" valueType="num">
+                                      <p:cBhvr>
+                                        <p:cTn id="13" dur="500" fill="hold"/>
+                                        <p:tgtEl>
+                                          <p:spTgt spid="6"/>
+                                        </p:tgtEl>
+                                        <p:attrNameLst>
+                                          <p:attrName>ppt_w</p:attrName>
+                                        </p:attrNameLst>
+                                      </p:cBhvr>
+                                      <p:tavLst>
+                                        <p:tav tm="0">
+                                          <p:val>
+                                            <p:fltVal val="0"/>
+                                          </p:val>
+                                        </p:tav>
+                                        <p:tav tm="100000">
+                                          <p:val>
+                                            <p:strVal val="#ppt_w"/>
+                                          </p:val>
+                                        </p:tav>
+                                      </p:tavLst>
+                                    </p:anim>
+                                    <p:anim calcmode="lin" valueType="num">
+                                      <p:cBhvr>
+                                        <p:cTn id="14" dur="500" fill="hold"/>
+                                        <p:tgtEl>
+                                          <p:spTgt spid="6"/>
+                                        </p:tgtEl>
+                                        <p:attrNameLst>
+                                          <p:attrName>ppt_h</p:attrName>
+                                        </p:attrNameLst>
+                                      </p:cBhvr>
+                                      <p:tavLst>
+                                        <p:tav tm="0">
+                                          <p:val>
+                                            <p:fltVal val="0"/>
+                                          </p:val>
+                                        </p:tav>
+                                        <p:tav tm="100000">
+                                          <p:val>
+                                            <p:strVal val="#ppt_h"/>
+                                          </p:val>
+                                        </p:tav>
+                                      </p:tavLst>
+                                    </p:anim>
+                                    <p:animEffect transition="in" filter="fade">
+                                      <p:cBhvr>
+                                        <p:cTn id="15" dur="500"/>
+                                        <p:tgtEl>
+                                          <p:spTgt spid="6"/>
+                                        </p:tgtEl>
+                                      </p:cBhvr>
+                                    </p:animEffect>
+                                  </p:childTnLst>
+                                </p:cTn>
+                              </p:par>
                             </p:childTnLst>
                           </p:cTn>
                         </p:par>
@@ -7616,7 +8035,7 @@
                 <a16:creationId xmlns:a16="http://schemas.microsoft.com/office/drawing/2014/main" id="{733E0473-C315-42D8-A82A-A2FE49DC67DA}"/>
               </a:ext>
               <a:ext uri="{C183D7F6-B498-43B3-948B-1728B52AA6E4}">
-                <adec:decorative xmlns:adec="http://schemas.microsoft.com/office/drawing/2017/decorative" val="1"/>
+                <adec:decorative xmlns:adec="http://schemas.microsoft.com/office/drawing/2017/decorative" xmlns="" val="1"/>
               </a:ext>
             </a:extLst>
           </p:cNvPr>
@@ -7676,7 +8095,7 @@
                 <a16:creationId xmlns:a16="http://schemas.microsoft.com/office/drawing/2014/main" id="{AD23A251-68F2-43E5-812B-4BBAE1AF535E}"/>
               </a:ext>
               <a:ext uri="{C183D7F6-B498-43B3-948B-1728B52AA6E4}">
-                <adec:decorative xmlns:adec="http://schemas.microsoft.com/office/drawing/2017/decorative" val="1"/>
+                <adec:decorative xmlns:adec="http://schemas.microsoft.com/office/drawing/2017/decorative" xmlns="" val="1"/>
               </a:ext>
             </a:extLst>
           </p:cNvPr>
@@ -7775,7 +8194,7 @@
                 <a16:creationId xmlns:a16="http://schemas.microsoft.com/office/drawing/2014/main" id="{0350AF23-2606-421F-AB7B-23D9B48F3E9B}"/>
               </a:ext>
               <a:ext uri="{C183D7F6-B498-43B3-948B-1728B52AA6E4}">
-                <adec:decorative xmlns:adec="http://schemas.microsoft.com/office/drawing/2017/decorative" val="1"/>
+                <adec:decorative xmlns:adec="http://schemas.microsoft.com/office/drawing/2017/decorative" xmlns="" val="1"/>
               </a:ext>
             </a:extLst>
           </p:cNvPr>
@@ -7806,7 +8225,7 @@
                   <a16:creationId xmlns:a16="http://schemas.microsoft.com/office/drawing/2014/main" id="{526A544A-3C76-4502-A741-F4DB0E2CD2FD}"/>
                 </a:ext>
                 <a:ext uri="{C183D7F6-B498-43B3-948B-1728B52AA6E4}">
-                  <adec:decorative xmlns:adec="http://schemas.microsoft.com/office/drawing/2017/decorative" val="1"/>
+                  <adec:decorative xmlns:adec="http://schemas.microsoft.com/office/drawing/2017/decorative" xmlns="" val="1"/>
                 </a:ext>
               </a:extLst>
             </p:cNvPr>
@@ -7869,7 +8288,7 @@
                   <a16:creationId xmlns:a16="http://schemas.microsoft.com/office/drawing/2014/main" id="{017B8593-D171-47B5-8D1A-E34E7B138476}"/>
                 </a:ext>
                 <a:ext uri="{C183D7F6-B498-43B3-948B-1728B52AA6E4}">
-                  <adec:decorative xmlns:adec="http://schemas.microsoft.com/office/drawing/2017/decorative" val="1"/>
+                  <adec:decorative xmlns:adec="http://schemas.microsoft.com/office/drawing/2017/decorative" xmlns="" val="1"/>
                 </a:ext>
               </a:extLst>
             </p:cNvPr>
@@ -7933,7 +8352,7 @@
                   <a16:creationId xmlns:a16="http://schemas.microsoft.com/office/drawing/2014/main" id="{1FEF60D4-64F6-450F-B86D-383EEA1C843F}"/>
                 </a:ext>
                 <a:ext uri="{C183D7F6-B498-43B3-948B-1728B52AA6E4}">
-                  <adec:decorative xmlns:adec="http://schemas.microsoft.com/office/drawing/2017/decorative" val="1"/>
+                  <adec:decorative xmlns:adec="http://schemas.microsoft.com/office/drawing/2017/decorative" xmlns="" val="1"/>
                 </a:ext>
               </a:extLst>
             </p:cNvPr>
@@ -7998,7 +8417,7 @@
                   <a16:creationId xmlns:a16="http://schemas.microsoft.com/office/drawing/2014/main" id="{A97D4A7C-B520-46CB-9A94-711F53997BDB}"/>
                 </a:ext>
                 <a:ext uri="{C183D7F6-B498-43B3-948B-1728B52AA6E4}">
-                  <adec:decorative xmlns:adec="http://schemas.microsoft.com/office/drawing/2017/decorative" val="1"/>
+                  <adec:decorative xmlns:adec="http://schemas.microsoft.com/office/drawing/2017/decorative" xmlns="" val="1"/>
                 </a:ext>
               </a:extLst>
             </p:cNvPr>
@@ -8059,7 +8478,7 @@
                   <a16:creationId xmlns:a16="http://schemas.microsoft.com/office/drawing/2014/main" id="{2B7B976F-E84B-4936-90D7-C8298A5E7BD0}"/>
                 </a:ext>
                 <a:ext uri="{C183D7F6-B498-43B3-948B-1728B52AA6E4}">
-                  <adec:decorative xmlns:adec="http://schemas.microsoft.com/office/drawing/2017/decorative" val="1"/>
+                  <adec:decorative xmlns:adec="http://schemas.microsoft.com/office/drawing/2017/decorative" xmlns="" val="1"/>
                 </a:ext>
               </a:extLst>
             </p:cNvPr>
@@ -8120,7 +8539,7 @@
                   <a16:creationId xmlns:a16="http://schemas.microsoft.com/office/drawing/2014/main" id="{DC91FFEC-59DF-4D22-A925-F5152076924B}"/>
                 </a:ext>
                 <a:ext uri="{C183D7F6-B498-43B3-948B-1728B52AA6E4}">
-                  <adec:decorative xmlns:adec="http://schemas.microsoft.com/office/drawing/2017/decorative" val="1"/>
+                  <adec:decorative xmlns:adec="http://schemas.microsoft.com/office/drawing/2017/decorative" xmlns="" val="1"/>
                 </a:ext>
               </a:extLst>
             </p:cNvPr>
@@ -8181,7 +8600,7 @@
                   <a16:creationId xmlns:a16="http://schemas.microsoft.com/office/drawing/2014/main" id="{58931E95-0847-47E4-8AEC-312312A03232}"/>
                 </a:ext>
                 <a:ext uri="{C183D7F6-B498-43B3-948B-1728B52AA6E4}">
-                  <adec:decorative xmlns:adec="http://schemas.microsoft.com/office/drawing/2017/decorative" val="1"/>
+                  <adec:decorative xmlns:adec="http://schemas.microsoft.com/office/drawing/2017/decorative" xmlns="" val="1"/>
                 </a:ext>
               </a:extLst>
             </p:cNvPr>
@@ -8245,7 +8664,7 @@
                   <a16:creationId xmlns:a16="http://schemas.microsoft.com/office/drawing/2014/main" id="{3C094915-EF93-49A0-9B90-C44FB9B5007A}"/>
                 </a:ext>
                 <a:ext uri="{C183D7F6-B498-43B3-948B-1728B52AA6E4}">
-                  <adec:decorative xmlns:adec="http://schemas.microsoft.com/office/drawing/2017/decorative" val="1"/>
+                  <adec:decorative xmlns:adec="http://schemas.microsoft.com/office/drawing/2017/decorative" xmlns="" val="1"/>
                 </a:ext>
               </a:extLst>
             </p:cNvPr>
@@ -8363,6 +8782,12 @@
               </a:rPr>
               <a:t>1-8. Évfolyamig:</a:t>
             </a:r>
+            <a:r>
+              <a:rPr lang="hu-HU" sz="2000" b="1" dirty="0">
+                <a:cs typeface="Calibri"/>
+              </a:rPr>
+              <a:t/>
+            </a:r>
             <a:br>
               <a:rPr lang="hu-HU" sz="2000" b="1" dirty="0">
                 <a:cs typeface="Calibri"/>
@@ -8376,6 +8801,10 @@
               </a:rPr>
               <a:t>Álmos Vezér Gimnázium,</a:t>
             </a:r>
+            <a:r>
+              <a:rPr lang="hu-HU" sz="2000" dirty="0"/>
+              <a:t/>
+            </a:r>
             <a:br>
               <a:rPr lang="hu-HU" sz="2000" dirty="0"/>
             </a:br>
@@ -8387,11 +8816,23 @@
               </a:rPr>
               <a:t>Pedagógiai Szakgimnázium és Általános Iskola</a:t>
             </a:r>
+            <a:r>
+              <a:rPr lang="hu-HU" sz="2000" dirty="0">
+                <a:cs typeface="Calibri"/>
+              </a:rPr>
+              <a:t/>
+            </a:r>
             <a:br>
               <a:rPr lang="hu-HU" sz="2000" dirty="0">
                 <a:cs typeface="Calibri"/>
               </a:rPr>
             </a:br>
+            <a:r>
+              <a:rPr lang="hu-HU" sz="2000" dirty="0">
+                <a:cs typeface="Calibri"/>
+              </a:rPr>
+              <a:t/>
+            </a:r>
             <a:br>
               <a:rPr lang="hu-HU" sz="2000" dirty="0">
                 <a:cs typeface="Calibri"/>
@@ -8405,6 +8846,12 @@
                 <a:cs typeface="Calibri"/>
               </a:rPr>
               <a:t>0/9-13. Évfolyamig:</a:t>
+            </a:r>
+            <a:r>
+              <a:rPr lang="hu-HU" sz="2000" b="1" dirty="0">
+                <a:cs typeface="Calibri"/>
+              </a:rPr>
+              <a:t/>
             </a:r>
             <a:br>
               <a:rPr lang="hu-HU" sz="2000" b="1" dirty="0">
@@ -8421,6 +8868,13 @@
               </a:rPr>
               <a:t>Budapesti Gépészeti Szakképzési Centrum</a:t>
             </a:r>
+            <a:r>
+              <a:rPr lang="hu-HU" sz="2000" dirty="0">
+                <a:ea typeface="+mn-lt"/>
+                <a:cs typeface="+mn-lt"/>
+              </a:rPr>
+              <a:t/>
+            </a:r>
             <a:br>
               <a:rPr lang="hu-HU" sz="2000" dirty="0">
                 <a:ea typeface="+mn-lt"/>
@@ -8436,6 +8890,12 @@
                 <a:cs typeface="+mn-lt"/>
               </a:rPr>
               <a:t>Katona József Technikum</a:t>
+            </a:r>
+            <a:r>
+              <a:rPr lang="hu-HU" sz="2000" b="1" dirty="0">
+                <a:cs typeface="Calibri"/>
+              </a:rPr>
+              <a:t/>
             </a:r>
             <a:br>
               <a:rPr lang="hu-HU" sz="2000" b="1" dirty="0">
@@ -8496,6 +8956,18 @@
   <p:clrMapOvr>
     <a:masterClrMapping/>
   </p:clrMapOvr>
+  <mc:AlternateContent xmlns:mc="http://schemas.openxmlformats.org/markup-compatibility/2006">
+    <mc:Choice xmlns:p14="http://schemas.microsoft.com/office/powerpoint/2010/main" Requires="p14">
+      <p:transition spd="med" p14:dur="700">
+        <p:fade/>
+      </p:transition>
+    </mc:Choice>
+    <mc:Fallback>
+      <p:transition spd="med">
+        <p:fade/>
+      </p:transition>
+    </mc:Fallback>
+  </mc:AlternateContent>
   <p:timing>
     <p:tnLst>
       <p:par>
@@ -8603,6 +9075,87 @@
                                   </p:childTnLst>
                                 </p:cTn>
                               </p:par>
+                              <p:par>
+                                <p:cTn id="11" presetID="53" presetClass="entr" presetSubtype="16" fill="hold" nodeType="withEffect">
+                                  <p:stCondLst>
+                                    <p:cond delay="1000"/>
+                                  </p:stCondLst>
+                                  <p:childTnLst>
+                                    <p:set>
+                                      <p:cBhvr>
+                                        <p:cTn id="12" dur="1" fill="hold">
+                                          <p:stCondLst>
+                                            <p:cond delay="0"/>
+                                          </p:stCondLst>
+                                        </p:cTn>
+                                        <p:tgtEl>
+                                          <p:spTgt spid="4"/>
+                                        </p:tgtEl>
+                                        <p:attrNameLst>
+                                          <p:attrName>style.visibility</p:attrName>
+                                        </p:attrNameLst>
+                                      </p:cBhvr>
+                                      <p:to>
+                                        <p:strVal val="visible"/>
+                                      </p:to>
+                                    </p:set>
+                                    <p:anim calcmode="lin" valueType="num">
+                                      <p:cBhvr>
+                                        <p:cTn id="13" dur="500" fill="hold"/>
+                                        <p:tgtEl>
+                                          <p:spTgt spid="4"/>
+                                        </p:tgtEl>
+                                        <p:attrNameLst>
+                                          <p:attrName>ppt_w</p:attrName>
+                                        </p:attrNameLst>
+                                      </p:cBhvr>
+                                      <p:tavLst>
+                                        <p:tav tm="0">
+                                          <p:val>
+                                            <p:fltVal val="0"/>
+                                          </p:val>
+                                        </p:tav>
+                                        <p:tav tm="100000">
+                                          <p:val>
+                                            <p:strVal val="#ppt_w"/>
+                                          </p:val>
+                                        </p:tav>
+                                      </p:tavLst>
+                                    </p:anim>
+                                    <p:anim calcmode="lin" valueType="num">
+                                      <p:cBhvr>
+                                        <p:cTn id="14" dur="500" fill="hold"/>
+                                        <p:tgtEl>
+                                          <p:spTgt spid="4"/>
+                                        </p:tgtEl>
+                                        <p:attrNameLst>
+                                          <p:attrName>ppt_h</p:attrName>
+                                        </p:attrNameLst>
+                                      </p:cBhvr>
+                                      <p:tavLst>
+                                        <p:tav tm="0">
+                                          <p:val>
+                                            <p:fltVal val="0"/>
+                                          </p:val>
+                                        </p:tav>
+                                        <p:tav tm="100000">
+                                          <p:val>
+                                            <p:strVal val="#ppt_h"/>
+                                          </p:val>
+                                        </p:tav>
+                                      </p:tavLst>
+                                    </p:anim>
+                                    <p:animEffect transition="in" filter="fade">
+                                      <p:cBhvr>
+                                        <p:cTn id="15" dur="500"/>
+                                        <p:tgtEl>
+                                          <p:spTgt spid="4"/>
+                                        </p:tgtEl>
+                                      </p:cBhvr>
+                                    </p:animEffect>
+                                  </p:childTnLst>
+                                </p:cTn>
+                              </p:par>
                             </p:childTnLst>
                           </p:cTn>
                         </p:par>
@@ -8671,7 +9224,7 @@
                 <a16:creationId xmlns:a16="http://schemas.microsoft.com/office/drawing/2014/main" id="{733E0473-C315-42D8-A82A-A2FE49DC67DA}"/>
               </a:ext>
               <a:ext uri="{C183D7F6-B498-43B3-948B-1728B52AA6E4}">
-                <adec:decorative xmlns:adec="http://schemas.microsoft.com/office/drawing/2017/decorative" val="1"/>
+                <adec:decorative xmlns:adec="http://schemas.microsoft.com/office/drawing/2017/decorative" xmlns="" val="1"/>
               </a:ext>
             </a:extLst>
           </p:cNvPr>
@@ -8731,7 +9284,7 @@
                 <a16:creationId xmlns:a16="http://schemas.microsoft.com/office/drawing/2014/main" id="{AD23A251-68F2-43E5-812B-4BBAE1AF535E}"/>
               </a:ext>
               <a:ext uri="{C183D7F6-B498-43B3-948B-1728B52AA6E4}">
-                <adec:decorative xmlns:adec="http://schemas.microsoft.com/office/drawing/2017/decorative" val="1"/>
+                <adec:decorative xmlns:adec="http://schemas.microsoft.com/office/drawing/2017/decorative" xmlns="" val="1"/>
               </a:ext>
             </a:extLst>
           </p:cNvPr>
@@ -8830,7 +9383,7 @@
                 <a16:creationId xmlns:a16="http://schemas.microsoft.com/office/drawing/2014/main" id="{0350AF23-2606-421F-AB7B-23D9B48F3E9B}"/>
               </a:ext>
               <a:ext uri="{C183D7F6-B498-43B3-948B-1728B52AA6E4}">
-                <adec:decorative xmlns:adec="http://schemas.microsoft.com/office/drawing/2017/decorative" val="1"/>
+                <adec:decorative xmlns:adec="http://schemas.microsoft.com/office/drawing/2017/decorative" xmlns="" val="1"/>
               </a:ext>
             </a:extLst>
           </p:cNvPr>
@@ -8861,7 +9414,7 @@
                   <a16:creationId xmlns:a16="http://schemas.microsoft.com/office/drawing/2014/main" id="{526A544A-3C76-4502-A741-F4DB0E2CD2FD}"/>
                 </a:ext>
                 <a:ext uri="{C183D7F6-B498-43B3-948B-1728B52AA6E4}">
-                  <adec:decorative xmlns:adec="http://schemas.microsoft.com/office/drawing/2017/decorative" val="1"/>
+                  <adec:decorative xmlns:adec="http://schemas.microsoft.com/office/drawing/2017/decorative" xmlns="" val="1"/>
                 </a:ext>
               </a:extLst>
             </p:cNvPr>
@@ -8924,7 +9477,7 @@
                   <a16:creationId xmlns:a16="http://schemas.microsoft.com/office/drawing/2014/main" id="{017B8593-D171-47B5-8D1A-E34E7B138476}"/>
                 </a:ext>
                 <a:ext uri="{C183D7F6-B498-43B3-948B-1728B52AA6E4}">
-                  <adec:decorative xmlns:adec="http://schemas.microsoft.com/office/drawing/2017/decorative" val="1"/>
+                  <adec:decorative xmlns:adec="http://schemas.microsoft.com/office/drawing/2017/decorative" xmlns="" val="1"/>
                 </a:ext>
               </a:extLst>
             </p:cNvPr>
@@ -8988,7 +9541,7 @@
                   <a16:creationId xmlns:a16="http://schemas.microsoft.com/office/drawing/2014/main" id="{1FEF60D4-64F6-450F-B86D-383EEA1C843F}"/>
                 </a:ext>
                 <a:ext uri="{C183D7F6-B498-43B3-948B-1728B52AA6E4}">
-                  <adec:decorative xmlns:adec="http://schemas.microsoft.com/office/drawing/2017/decorative" val="1"/>
+                  <adec:decorative xmlns:adec="http://schemas.microsoft.com/office/drawing/2017/decorative" xmlns="" val="1"/>
                 </a:ext>
               </a:extLst>
             </p:cNvPr>
@@ -9053,7 +9606,7 @@
                   <a16:creationId xmlns:a16="http://schemas.microsoft.com/office/drawing/2014/main" id="{A97D4A7C-B520-46CB-9A94-711F53997BDB}"/>
                 </a:ext>
                 <a:ext uri="{C183D7F6-B498-43B3-948B-1728B52AA6E4}">
-                  <adec:decorative xmlns:adec="http://schemas.microsoft.com/office/drawing/2017/decorative" val="1"/>
+                  <adec:decorative xmlns:adec="http://schemas.microsoft.com/office/drawing/2017/decorative" xmlns="" val="1"/>
                 </a:ext>
               </a:extLst>
             </p:cNvPr>
@@ -9114,7 +9667,7 @@
                   <a16:creationId xmlns:a16="http://schemas.microsoft.com/office/drawing/2014/main" id="{2B7B976F-E84B-4936-90D7-C8298A5E7BD0}"/>
                 </a:ext>
                 <a:ext uri="{C183D7F6-B498-43B3-948B-1728B52AA6E4}">
-                  <adec:decorative xmlns:adec="http://schemas.microsoft.com/office/drawing/2017/decorative" val="1"/>
+                  <adec:decorative xmlns:adec="http://schemas.microsoft.com/office/drawing/2017/decorative" xmlns="" val="1"/>
                 </a:ext>
               </a:extLst>
             </p:cNvPr>
@@ -9175,7 +9728,7 @@
                   <a16:creationId xmlns:a16="http://schemas.microsoft.com/office/drawing/2014/main" id="{DC91FFEC-59DF-4D22-A925-F5152076924B}"/>
                 </a:ext>
                 <a:ext uri="{C183D7F6-B498-43B3-948B-1728B52AA6E4}">
-                  <adec:decorative xmlns:adec="http://schemas.microsoft.com/office/drawing/2017/decorative" val="1"/>
+                  <adec:decorative xmlns:adec="http://schemas.microsoft.com/office/drawing/2017/decorative" xmlns="" val="1"/>
                 </a:ext>
               </a:extLst>
             </p:cNvPr>
@@ -9236,7 +9789,7 @@
                   <a16:creationId xmlns:a16="http://schemas.microsoft.com/office/drawing/2014/main" id="{58931E95-0847-47E4-8AEC-312312A03232}"/>
                 </a:ext>
                 <a:ext uri="{C183D7F6-B498-43B3-948B-1728B52AA6E4}">
-                  <adec:decorative xmlns:adec="http://schemas.microsoft.com/office/drawing/2017/decorative" val="1"/>
+                  <adec:decorative xmlns:adec="http://schemas.microsoft.com/office/drawing/2017/decorative" xmlns="" val="1"/>
                 </a:ext>
               </a:extLst>
             </p:cNvPr>
@@ -9300,7 +9853,7 @@
                   <a16:creationId xmlns:a16="http://schemas.microsoft.com/office/drawing/2014/main" id="{3C094915-EF93-49A0-9B90-C44FB9B5007A}"/>
                 </a:ext>
                 <a:ext uri="{C183D7F6-B498-43B3-948B-1728B52AA6E4}">
-                  <adec:decorative xmlns:adec="http://schemas.microsoft.com/office/drawing/2017/decorative" val="1"/>
+                  <adec:decorative xmlns:adec="http://schemas.microsoft.com/office/drawing/2017/decorative" xmlns="" val="1"/>
                 </a:ext>
               </a:extLst>
             </p:cNvPr>
@@ -9382,8 +9935,21 @@
                   <a:srgbClr val="FFFFFF"/>
                 </a:solidFill>
               </a:rPr>
-              <a:t>Tantárgyi erősségem</a:t>
-            </a:r>
+              <a:t>Tantárgyi </a:t>
+            </a:r>
+            <a:r>
+              <a:rPr lang="hu-HU" dirty="0" err="1" smtClean="0">
+                <a:solidFill>
+                  <a:srgbClr val="FFFFFF"/>
+                </a:solidFill>
+              </a:rPr>
+              <a:t>erősségiem</a:t>
+            </a:r>
+            <a:endParaRPr lang="hu-HU" dirty="0">
+              <a:solidFill>
+                <a:srgbClr val="FFFFFF"/>
+              </a:solidFill>
+            </a:endParaRPr>
           </a:p>
         </p:txBody>
       </p:sp>
@@ -9445,11 +10011,23 @@
               </a:rPr>
               <a:t>Nyelvtan</a:t>
             </a:r>
+            <a:r>
+              <a:rPr lang="hu-HU" b="1" dirty="0">
+                <a:cs typeface="Calibri"/>
+              </a:rPr>
+              <a:t/>
+            </a:r>
             <a:br>
               <a:rPr lang="hu-HU" b="1" dirty="0">
                 <a:cs typeface="Calibri"/>
               </a:rPr>
             </a:br>
+            <a:r>
+              <a:rPr lang="hu-HU" dirty="0">
+                <a:cs typeface="Calibri"/>
+              </a:rPr>
+              <a:t/>
+            </a:r>
             <a:br>
               <a:rPr lang="hu-HU" dirty="0">
                 <a:cs typeface="Calibri"/>
@@ -9598,6 +10176,12 @@
                 <a:cs typeface="Calibri"/>
               </a:rPr>
               <a:t>Testnevelés</a:t>
+            </a:r>
+            <a:r>
+              <a:rPr lang="hu-HU" b="1" dirty="0">
+                <a:cs typeface="Calibri"/>
+              </a:rPr>
+              <a:t/>
             </a:r>
             <a:br>
               <a:rPr lang="hu-HU" b="1" dirty="0">
@@ -9658,6 +10242,18 @@
   <p:clrMapOvr>
     <a:masterClrMapping/>
   </p:clrMapOvr>
+  <mc:AlternateContent xmlns:mc="http://schemas.openxmlformats.org/markup-compatibility/2006">
+    <mc:Choice xmlns:p14="http://schemas.microsoft.com/office/powerpoint/2010/main" Requires="p14">
+      <p:transition spd="med" p14:dur="700">
+        <p:fade/>
+      </p:transition>
+    </mc:Choice>
+    <mc:Fallback>
+      <p:transition spd="med">
+        <p:fade/>
+      </p:transition>
+    </mc:Fallback>
+  </mc:AlternateContent>
   <p:timing>
     <p:tnLst>
       <p:par>
@@ -9765,6 +10361,87 @@
                                   </p:childTnLst>
                                 </p:cTn>
                               </p:par>
+                              <p:par>
+                                <p:cTn id="11" presetID="53" presetClass="entr" presetSubtype="16" fill="hold" nodeType="withEffect">
+                                  <p:stCondLst>
+                                    <p:cond delay="1000"/>
+                                  </p:stCondLst>
+                                  <p:childTnLst>
+                                    <p:set>
+                                      <p:cBhvr>
+                                        <p:cTn id="12" dur="1" fill="hold">
+                                          <p:stCondLst>
+                                            <p:cond delay="0"/>
+                                          </p:stCondLst>
+                                        </p:cTn>
+                                        <p:tgtEl>
+                                          <p:spTgt spid="4"/>
+                                        </p:tgtEl>
+                                        <p:attrNameLst>
+                                          <p:attrName>style.visibility</p:attrName>
+                                        </p:attrNameLst>
+                                      </p:cBhvr>
+                                      <p:to>
+                                        <p:strVal val="visible"/>
+                                      </p:to>
+                                    </p:set>
+                                    <p:anim calcmode="lin" valueType="num">
+                                      <p:cBhvr>
+                                        <p:cTn id="13" dur="500" fill="hold"/>
+                                        <p:tgtEl>
+                                          <p:spTgt spid="4"/>
+                                        </p:tgtEl>
+                                        <p:attrNameLst>
+                                          <p:attrName>ppt_w</p:attrName>
+                                        </p:attrNameLst>
+                                      </p:cBhvr>
+                                      <p:tavLst>
+                                        <p:tav tm="0">
+                                          <p:val>
+                                            <p:fltVal val="0"/>
+                                          </p:val>
+                                        </p:tav>
+                                        <p:tav tm="100000">
+                                          <p:val>
+                                            <p:strVal val="#ppt_w"/>
+                                          </p:val>
+                                        </p:tav>
+                                      </p:tavLst>
+                                    </p:anim>
+                                    <p:anim calcmode="lin" valueType="num">
+                                      <p:cBhvr>
+                                        <p:cTn id="14" dur="500" fill="hold"/>
+                                        <p:tgtEl>
+                                          <p:spTgt spid="4"/>
+                                        </p:tgtEl>
+                                        <p:attrNameLst>
+                                          <p:attrName>ppt_h</p:attrName>
+                                        </p:attrNameLst>
+                                      </p:cBhvr>
+                                      <p:tavLst>
+                                        <p:tav tm="0">
+                                          <p:val>
+                                            <p:fltVal val="0"/>
+                                          </p:val>
+                                        </p:tav>
+                                        <p:tav tm="100000">
+                                          <p:val>
+                                            <p:strVal val="#ppt_h"/>
+                                          </p:val>
+                                        </p:tav>
+                                      </p:tavLst>
+                                    </p:anim>
+                                    <p:animEffect transition="in" filter="fade">
+                                      <p:cBhvr>
+                                        <p:cTn id="15" dur="500"/>
+                                        <p:tgtEl>
+                                          <p:spTgt spid="4"/>
+                                        </p:tgtEl>
+                                      </p:cBhvr>
+                                    </p:animEffect>
+                                  </p:childTnLst>
+                                </p:cTn>
+                              </p:par>
                             </p:childTnLst>
                           </p:cTn>
                         </p:par>
@@ -9833,7 +10510,7 @@
                 <a16:creationId xmlns:a16="http://schemas.microsoft.com/office/drawing/2014/main" id="{733E0473-C315-42D8-A82A-A2FE49DC67DA}"/>
               </a:ext>
               <a:ext uri="{C183D7F6-B498-43B3-948B-1728B52AA6E4}">
-                <adec:decorative xmlns:adec="http://schemas.microsoft.com/office/drawing/2017/decorative" val="1"/>
+                <adec:decorative xmlns:adec="http://schemas.microsoft.com/office/drawing/2017/decorative" xmlns="" val="1"/>
               </a:ext>
             </a:extLst>
           </p:cNvPr>
@@ -9893,7 +10570,7 @@
                 <a16:creationId xmlns:a16="http://schemas.microsoft.com/office/drawing/2014/main" id="{AD23A251-68F2-43E5-812B-4BBAE1AF535E}"/>
               </a:ext>
               <a:ext uri="{C183D7F6-B498-43B3-948B-1728B52AA6E4}">
-                <adec:decorative xmlns:adec="http://schemas.microsoft.com/office/drawing/2017/decorative" val="1"/>
+                <adec:decorative xmlns:adec="http://schemas.microsoft.com/office/drawing/2017/decorative" xmlns="" val="1"/>
               </a:ext>
             </a:extLst>
           </p:cNvPr>
@@ -9992,7 +10669,7 @@
                 <a16:creationId xmlns:a16="http://schemas.microsoft.com/office/drawing/2014/main" id="{0350AF23-2606-421F-AB7B-23D9B48F3E9B}"/>
               </a:ext>
               <a:ext uri="{C183D7F6-B498-43B3-948B-1728B52AA6E4}">
-                <adec:decorative xmlns:adec="http://schemas.microsoft.com/office/drawing/2017/decorative" val="1"/>
+                <adec:decorative xmlns:adec="http://schemas.microsoft.com/office/drawing/2017/decorative" xmlns="" val="1"/>
               </a:ext>
             </a:extLst>
           </p:cNvPr>
@@ -10023,7 +10700,7 @@
                   <a16:creationId xmlns:a16="http://schemas.microsoft.com/office/drawing/2014/main" id="{526A544A-3C76-4502-A741-F4DB0E2CD2FD}"/>
                 </a:ext>
                 <a:ext uri="{C183D7F6-B498-43B3-948B-1728B52AA6E4}">
-                  <adec:decorative xmlns:adec="http://schemas.microsoft.com/office/drawing/2017/decorative" val="1"/>
+                  <adec:decorative xmlns:adec="http://schemas.microsoft.com/office/drawing/2017/decorative" xmlns="" val="1"/>
                 </a:ext>
               </a:extLst>
             </p:cNvPr>
@@ -10086,7 +10763,7 @@
                   <a16:creationId xmlns:a16="http://schemas.microsoft.com/office/drawing/2014/main" id="{017B8593-D171-47B5-8D1A-E34E7B138476}"/>
                 </a:ext>
                 <a:ext uri="{C183D7F6-B498-43B3-948B-1728B52AA6E4}">
-                  <adec:decorative xmlns:adec="http://schemas.microsoft.com/office/drawing/2017/decorative" val="1"/>
+                  <adec:decorative xmlns:adec="http://schemas.microsoft.com/office/drawing/2017/decorative" xmlns="" val="1"/>
                 </a:ext>
               </a:extLst>
             </p:cNvPr>
@@ -10150,7 +10827,7 @@
                   <a16:creationId xmlns:a16="http://schemas.microsoft.com/office/drawing/2014/main" id="{1FEF60D4-64F6-450F-B86D-383EEA1C843F}"/>
                 </a:ext>
                 <a:ext uri="{C183D7F6-B498-43B3-948B-1728B52AA6E4}">
-                  <adec:decorative xmlns:adec="http://schemas.microsoft.com/office/drawing/2017/decorative" val="1"/>
+                  <adec:decorative xmlns:adec="http://schemas.microsoft.com/office/drawing/2017/decorative" xmlns="" val="1"/>
                 </a:ext>
               </a:extLst>
             </p:cNvPr>
@@ -10215,7 +10892,7 @@
                   <a16:creationId xmlns:a16="http://schemas.microsoft.com/office/drawing/2014/main" id="{A97D4A7C-B520-46CB-9A94-711F53997BDB}"/>
                 </a:ext>
                 <a:ext uri="{C183D7F6-B498-43B3-948B-1728B52AA6E4}">
-                  <adec:decorative xmlns:adec="http://schemas.microsoft.com/office/drawing/2017/decorative" val="1"/>
+                  <adec:decorative xmlns:adec="http://schemas.microsoft.com/office/drawing/2017/decorative" xmlns="" val="1"/>
                 </a:ext>
               </a:extLst>
             </p:cNvPr>
@@ -10276,7 +10953,7 @@
                   <a16:creationId xmlns:a16="http://schemas.microsoft.com/office/drawing/2014/main" id="{2B7B976F-E84B-4936-90D7-C8298A5E7BD0}"/>
                 </a:ext>
                 <a:ext uri="{C183D7F6-B498-43B3-948B-1728B52AA6E4}">
-                  <adec:decorative xmlns:adec="http://schemas.microsoft.com/office/drawing/2017/decorative" val="1"/>
+                  <adec:decorative xmlns:adec="http://schemas.microsoft.com/office/drawing/2017/decorative" xmlns="" val="1"/>
                 </a:ext>
               </a:extLst>
             </p:cNvPr>
@@ -10337,7 +11014,7 @@
                   <a16:creationId xmlns:a16="http://schemas.microsoft.com/office/drawing/2014/main" id="{DC91FFEC-59DF-4D22-A925-F5152076924B}"/>
                 </a:ext>
                 <a:ext uri="{C183D7F6-B498-43B3-948B-1728B52AA6E4}">
-                  <adec:decorative xmlns:adec="http://schemas.microsoft.com/office/drawing/2017/decorative" val="1"/>
+                  <adec:decorative xmlns:adec="http://schemas.microsoft.com/office/drawing/2017/decorative" xmlns="" val="1"/>
                 </a:ext>
               </a:extLst>
             </p:cNvPr>
@@ -10398,7 +11075,7 @@
                   <a16:creationId xmlns:a16="http://schemas.microsoft.com/office/drawing/2014/main" id="{58931E95-0847-47E4-8AEC-312312A03232}"/>
                 </a:ext>
                 <a:ext uri="{C183D7F6-B498-43B3-948B-1728B52AA6E4}">
-                  <adec:decorative xmlns:adec="http://schemas.microsoft.com/office/drawing/2017/decorative" val="1"/>
+                  <adec:decorative xmlns:adec="http://schemas.microsoft.com/office/drawing/2017/decorative" xmlns="" val="1"/>
                 </a:ext>
               </a:extLst>
             </p:cNvPr>
@@ -10462,7 +11139,7 @@
                   <a16:creationId xmlns:a16="http://schemas.microsoft.com/office/drawing/2014/main" id="{3C094915-EF93-49A0-9B90-C44FB9B5007A}"/>
                 </a:ext>
                 <a:ext uri="{C183D7F6-B498-43B3-948B-1728B52AA6E4}">
-                  <adec:decorative xmlns:adec="http://schemas.microsoft.com/office/drawing/2017/decorative" val="1"/>
+                  <adec:decorative xmlns:adec="http://schemas.microsoft.com/office/drawing/2017/decorative" xmlns="" val="1"/>
                 </a:ext>
               </a:extLst>
             </p:cNvPr>
@@ -10572,6 +11249,12 @@
           </a:bodyPr>
           <a:lstStyle/>
           <a:p>
+            <a:r>
+              <a:rPr lang="hu-HU" b="1" dirty="0">
+                <a:cs typeface="Calibri"/>
+              </a:rPr>
+              <a:t/>
+            </a:r>
             <a:br>
               <a:rPr lang="hu-HU" b="1" dirty="0">
                 <a:cs typeface="Calibri"/>
@@ -10614,7 +11297,7 @@
         <p:spPr>
           <a:xfrm>
             <a:off x="4291914" y="149194"/>
-            <a:ext cx="3237470" cy="3120314"/>
+            <a:ext cx="2616886" cy="2375303"/>
           </a:xfrm>
           <a:prstGeom prst="rect">
             <a:avLst/>
@@ -10717,6 +11400,18 @@
   <p:clrMapOvr>
     <a:masterClrMapping/>
   </p:clrMapOvr>
+  <mc:AlternateContent xmlns:mc="http://schemas.openxmlformats.org/markup-compatibility/2006">
+    <mc:Choice xmlns:p14="http://schemas.microsoft.com/office/powerpoint/2010/main" Requires="p14">
+      <p:transition spd="med" p14:dur="700">
+        <p:fade/>
+      </p:transition>
+    </mc:Choice>
+    <mc:Fallback>
+      <p:transition spd="med">
+        <p:fade/>
+      </p:transition>
+    </mc:Fallback>
+  </mc:AlternateContent>
   <p:timing>
     <p:tnLst>
       <p:par>
@@ -10818,6 +11513,87 @@
                                         <p:cTn id="10" dur="400"/>
                                         <p:tgtEl>
                                           <p:spTgt spid="2"/>
+                                        </p:tgtEl>
+                                      </p:cBhvr>
+                                    </p:animEffect>
+                                  </p:childTnLst>
+                                </p:cTn>
+                              </p:par>
+                              <p:par>
+                                <p:cTn id="11" presetID="53" presetClass="entr" presetSubtype="16" fill="hold" nodeType="withEffect">
+                                  <p:stCondLst>
+                                    <p:cond delay="1000"/>
+                                  </p:stCondLst>
+                                  <p:childTnLst>
+                                    <p:set>
+                                      <p:cBhvr>
+                                        <p:cTn id="12" dur="1" fill="hold">
+                                          <p:stCondLst>
+                                            <p:cond delay="0"/>
+                                          </p:stCondLst>
+                                        </p:cTn>
+                                        <p:tgtEl>
+                                          <p:spTgt spid="5"/>
+                                        </p:tgtEl>
+                                        <p:attrNameLst>
+                                          <p:attrName>style.visibility</p:attrName>
+                                        </p:attrNameLst>
+                                      </p:cBhvr>
+                                      <p:to>
+                                        <p:strVal val="visible"/>
+                                      </p:to>
+                                    </p:set>
+                                    <p:anim calcmode="lin" valueType="num">
+                                      <p:cBhvr>
+                                        <p:cTn id="13" dur="500" fill="hold"/>
+                                        <p:tgtEl>
+                                          <p:spTgt spid="5"/>
+                                        </p:tgtEl>
+                                        <p:attrNameLst>
+                                          <p:attrName>ppt_w</p:attrName>
+                                        </p:attrNameLst>
+                                      </p:cBhvr>
+                                      <p:tavLst>
+                                        <p:tav tm="0">
+                                          <p:val>
+                                            <p:fltVal val="0"/>
+                                          </p:val>
+                                        </p:tav>
+                                        <p:tav tm="100000">
+                                          <p:val>
+                                            <p:strVal val="#ppt_w"/>
+                                          </p:val>
+                                        </p:tav>
+                                      </p:tavLst>
+                                    </p:anim>
+                                    <p:anim calcmode="lin" valueType="num">
+                                      <p:cBhvr>
+                                        <p:cTn id="14" dur="500" fill="hold"/>
+                                        <p:tgtEl>
+                                          <p:spTgt spid="5"/>
+                                        </p:tgtEl>
+                                        <p:attrNameLst>
+                                          <p:attrName>ppt_h</p:attrName>
+                                        </p:attrNameLst>
+                                      </p:cBhvr>
+                                      <p:tavLst>
+                                        <p:tav tm="0">
+                                          <p:val>
+                                            <p:fltVal val="0"/>
+                                          </p:val>
+                                        </p:tav>
+                                        <p:tav tm="100000">
+                                          <p:val>
+                                            <p:strVal val="#ppt_h"/>
+                                          </p:val>
+                                        </p:tav>
+                                      </p:tavLst>
+                                    </p:anim>
+                                    <p:animEffect transition="in" filter="fade">
+                                      <p:cBhvr>
+                                        <p:cTn id="15" dur="500"/>
+                                        <p:tgtEl>
+                                          <p:spTgt spid="5"/>
                                         </p:tgtEl>
                                       </p:cBhvr>
                                     </p:animEffect>
